--- a/Thema 9.pptx
+++ b/Thema 9.pptx
@@ -5,17 +5,20 @@
     <p:sldMasterId id="2147483648" r:id="rId1"/>
   </p:sldMasterIdLst>
   <p:notesMasterIdLst>
-    <p:notesMasterId r:id="rId10"/>
+    <p:notesMasterId r:id="rId13"/>
   </p:notesMasterIdLst>
   <p:sldIdLst>
     <p:sldId id="256" r:id="rId2"/>
     <p:sldId id="259" r:id="rId3"/>
     <p:sldId id="261" r:id="rId4"/>
     <p:sldId id="257" r:id="rId5"/>
-    <p:sldId id="262" r:id="rId6"/>
-    <p:sldId id="264" r:id="rId7"/>
+    <p:sldId id="266" r:id="rId6"/>
+    <p:sldId id="262" r:id="rId7"/>
     <p:sldId id="263" r:id="rId8"/>
-    <p:sldId id="265" r:id="rId9"/>
+    <p:sldId id="264" r:id="rId9"/>
+    <p:sldId id="265" r:id="rId10"/>
+    <p:sldId id="267" r:id="rId11"/>
+    <p:sldId id="268" r:id="rId12"/>
   </p:sldIdLst>
   <p:sldSz cx="12192000" cy="6858000"/>
   <p:notesSz cx="6858000" cy="9144000"/>
@@ -621,7 +624,7 @@
           <a:p>
             <a:fld id="{7D78321F-ABDA-4D48-BF1D-0155DCD391F0}" type="datetime8">
               <a:rPr lang="en-DE" smtClean="0"/>
-              <a:t>09/09/2024 09:53</a:t>
+              <a:t>09/09/2024 10:10</a:t>
             </a:fld>
             <a:endParaRPr lang="en-DE"/>
           </a:p>
@@ -821,7 +824,7 @@
           <a:p>
             <a:fld id="{2E2D38F6-BA13-4112-A885-E765F5C051AC}" type="datetime8">
               <a:rPr lang="en-DE" smtClean="0"/>
-              <a:t>09/09/2024 09:53</a:t>
+              <a:t>09/09/2024 10:10</a:t>
             </a:fld>
             <a:endParaRPr lang="en-DE"/>
           </a:p>
@@ -1031,7 +1034,7 @@
           <a:p>
             <a:fld id="{2789BFFA-AC2F-4100-A7A4-460A22C4CBBA}" type="datetime8">
               <a:rPr lang="en-DE" smtClean="0"/>
-              <a:t>09/09/2024 09:53</a:t>
+              <a:t>09/09/2024 10:10</a:t>
             </a:fld>
             <a:endParaRPr lang="en-DE"/>
           </a:p>
@@ -1231,7 +1234,7 @@
           <a:p>
             <a:fld id="{39DFDDB5-F22A-4540-A6EF-E225DF0FF0EC}" type="datetime8">
               <a:rPr lang="en-DE" smtClean="0"/>
-              <a:t>09/09/2024 09:53</a:t>
+              <a:t>09/09/2024 10:10</a:t>
             </a:fld>
             <a:endParaRPr lang="en-DE"/>
           </a:p>
@@ -1507,7 +1510,7 @@
           <a:p>
             <a:fld id="{054628BC-470B-456A-97B0-7D8C950406A1}" type="datetime8">
               <a:rPr lang="en-DE" smtClean="0"/>
-              <a:t>09/09/2024 09:53</a:t>
+              <a:t>09/09/2024 10:10</a:t>
             </a:fld>
             <a:endParaRPr lang="en-DE"/>
           </a:p>
@@ -1775,7 +1778,7 @@
           <a:p>
             <a:fld id="{B7E48035-2CE9-44A2-8ACB-F4CA5FADA110}" type="datetime8">
               <a:rPr lang="en-DE" smtClean="0"/>
-              <a:t>09/09/2024 09:53</a:t>
+              <a:t>09/09/2024 10:10</a:t>
             </a:fld>
             <a:endParaRPr lang="en-DE"/>
           </a:p>
@@ -2190,7 +2193,7 @@
           <a:p>
             <a:fld id="{5CBAA54D-9469-42B3-A67D-883F7AD0C602}" type="datetime8">
               <a:rPr lang="en-DE" smtClean="0"/>
-              <a:t>09/09/2024 09:53</a:t>
+              <a:t>09/09/2024 10:10</a:t>
             </a:fld>
             <a:endParaRPr lang="en-DE"/>
           </a:p>
@@ -2332,7 +2335,7 @@
           <a:p>
             <a:fld id="{3014781A-E865-4EC2-951A-D0D07A1F4934}" type="datetime8">
               <a:rPr lang="en-DE" smtClean="0"/>
-              <a:t>09/09/2024 09:53</a:t>
+              <a:t>09/09/2024 10:10</a:t>
             </a:fld>
             <a:endParaRPr lang="en-DE"/>
           </a:p>
@@ -2445,7 +2448,7 @@
           <a:p>
             <a:fld id="{7EF1B953-9206-4A36-A0C8-1E2AAA977703}" type="datetime8">
               <a:rPr lang="en-DE" smtClean="0"/>
-              <a:t>09/09/2024 09:53</a:t>
+              <a:t>09/09/2024 10:10</a:t>
             </a:fld>
             <a:endParaRPr lang="en-DE"/>
           </a:p>
@@ -2758,7 +2761,7 @@
           <a:p>
             <a:fld id="{47F61FBF-D9A7-48F2-819C-2032B032618C}" type="datetime8">
               <a:rPr lang="en-DE" smtClean="0"/>
-              <a:t>09/09/2024 09:53</a:t>
+              <a:t>09/09/2024 10:10</a:t>
             </a:fld>
             <a:endParaRPr lang="en-DE"/>
           </a:p>
@@ -3047,7 +3050,7 @@
           <a:p>
             <a:fld id="{4034818B-2E2C-4FD5-8568-9FD8EEB711C0}" type="datetime8">
               <a:rPr lang="en-DE" smtClean="0"/>
-              <a:t>09/09/2024 09:53</a:t>
+              <a:t>09/09/2024 10:10</a:t>
             </a:fld>
             <a:endParaRPr lang="en-DE"/>
           </a:p>
@@ -3290,7 +3293,7 @@
           <a:p>
             <a:fld id="{927AA46F-C3BB-410E-B087-75ABFF27126B}" type="datetime8">
               <a:rPr lang="en-DE" smtClean="0"/>
-              <a:t>09/09/2024 09:53</a:t>
+              <a:t>09/09/2024 10:10</a:t>
             </a:fld>
             <a:endParaRPr lang="en-DE"/>
           </a:p>
@@ -3823,6 +3826,413 @@
 </p:sld>
 </file>
 
+<file path=ppt/slides/slide10.xml><?xml version="1.0" encoding="utf-8"?>
+<p:sld xmlns:a="http://schemas.openxmlformats.org/drawingml/2006/main" xmlns:r="http://schemas.openxmlformats.org/officeDocument/2006/relationships" xmlns:p="http://schemas.openxmlformats.org/presentationml/2006/main">
+  <p:cSld>
+    <p:spTree>
+      <p:nvGrpSpPr>
+        <p:cNvPr id="1" name=""/>
+        <p:cNvGrpSpPr/>
+        <p:nvPr/>
+      </p:nvGrpSpPr>
+      <p:grpSpPr>
+        <a:xfrm>
+          <a:off x="0" y="0"/>
+          <a:ext cx="0" cy="0"/>
+          <a:chOff x="0" y="0"/>
+          <a:chExt cx="0" cy="0"/>
+        </a:xfrm>
+      </p:grpSpPr>
+      <p:sp>
+        <p:nvSpPr>
+          <p:cNvPr id="2" name="Title 1">
+            <a:extLst>
+              <a:ext uri="{FF2B5EF4-FFF2-40B4-BE49-F238E27FC236}">
+                <a16:creationId xmlns:a16="http://schemas.microsoft.com/office/drawing/2014/main" id="{36A65E9D-5633-516C-B5C5-50AE1C38F696}"/>
+              </a:ext>
+            </a:extLst>
+          </p:cNvPr>
+          <p:cNvSpPr>
+            <a:spLocks noGrp="1"/>
+          </p:cNvSpPr>
+          <p:nvPr>
+            <p:ph type="title"/>
+          </p:nvPr>
+        </p:nvSpPr>
+        <p:spPr>
+          <a:xfrm>
+            <a:off x="6341505" y="341312"/>
+            <a:ext cx="4744915" cy="1325563"/>
+          </a:xfrm>
+        </p:spPr>
+        <p:txBody>
+          <a:bodyPr/>
+          <a:lstStyle/>
+          <a:p>
+            <a:r>
+              <a:rPr lang="en-GB" dirty="0"/>
+              <a:t>Internode</a:t>
+            </a:r>
+            <a:endParaRPr lang="en-DE" dirty="0"/>
+          </a:p>
+        </p:txBody>
+      </p:sp>
+      <p:pic>
+        <p:nvPicPr>
+          <p:cNvPr id="6" name="Picture 5" descr="A diagram of a computer network&#10;&#10;Description automatically generated">
+            <a:extLst>
+              <a:ext uri="{FF2B5EF4-FFF2-40B4-BE49-F238E27FC236}">
+                <a16:creationId xmlns:a16="http://schemas.microsoft.com/office/drawing/2014/main" id="{DC3C6FD8-E047-0904-0C5D-346891A9DF56}"/>
+              </a:ext>
+            </a:extLst>
+          </p:cNvPr>
+          <p:cNvPicPr>
+            <a:picLocks noChangeAspect="1"/>
+          </p:cNvPicPr>
+          <p:nvPr/>
+        </p:nvPicPr>
+        <p:blipFill>
+          <a:blip r:embed="rId2">
+            <a:extLst>
+              <a:ext uri="{28A0092B-C50C-407E-A947-70E740481C1C}">
+                <a14:useLocalDpi xmlns:a14="http://schemas.microsoft.com/office/drawing/2010/main" val="0"/>
+              </a:ext>
+            </a:extLst>
+          </a:blip>
+          <a:stretch>
+            <a:fillRect/>
+          </a:stretch>
+        </p:blipFill>
+        <p:spPr>
+          <a:xfrm>
+            <a:off x="523097" y="1974816"/>
+            <a:ext cx="5572903" cy="3724795"/>
+          </a:xfrm>
+          <a:prstGeom prst="rect">
+            <a:avLst/>
+          </a:prstGeom>
+        </p:spPr>
+      </p:pic>
+      <p:pic>
+        <p:nvPicPr>
+          <p:cNvPr id="8" name="Picture 7" descr="A diagram of a network connection&#10;&#10;Description automatically generated">
+            <a:extLst>
+              <a:ext uri="{FF2B5EF4-FFF2-40B4-BE49-F238E27FC236}">
+                <a16:creationId xmlns:a16="http://schemas.microsoft.com/office/drawing/2014/main" id="{6C881031-97E1-0F39-F5C4-0C4037D7F380}"/>
+              </a:ext>
+            </a:extLst>
+          </p:cNvPr>
+          <p:cNvPicPr>
+            <a:picLocks noChangeAspect="1"/>
+          </p:cNvPicPr>
+          <p:nvPr/>
+        </p:nvPicPr>
+        <p:blipFill>
+          <a:blip r:embed="rId3">
+            <a:extLst>
+              <a:ext uri="{28A0092B-C50C-407E-A947-70E740481C1C}">
+                <a14:useLocalDpi xmlns:a14="http://schemas.microsoft.com/office/drawing/2010/main" val="0"/>
+              </a:ext>
+            </a:extLst>
+          </a:blip>
+          <a:stretch>
+            <a:fillRect/>
+          </a:stretch>
+        </p:blipFill>
+        <p:spPr>
+          <a:xfrm>
+            <a:off x="6341505" y="1893842"/>
+            <a:ext cx="5572903" cy="3886742"/>
+          </a:xfrm>
+          <a:prstGeom prst="rect">
+            <a:avLst/>
+          </a:prstGeom>
+        </p:spPr>
+      </p:pic>
+      <p:sp>
+        <p:nvSpPr>
+          <p:cNvPr id="10" name="Title 1">
+            <a:extLst>
+              <a:ext uri="{FF2B5EF4-FFF2-40B4-BE49-F238E27FC236}">
+                <a16:creationId xmlns:a16="http://schemas.microsoft.com/office/drawing/2014/main" id="{154D6536-D10E-B456-978B-53CBB303DB8A}"/>
+              </a:ext>
+            </a:extLst>
+          </p:cNvPr>
+          <p:cNvSpPr txBox="1">
+            <a:spLocks/>
+          </p:cNvSpPr>
+          <p:nvPr/>
+        </p:nvSpPr>
+        <p:spPr>
+          <a:xfrm>
+            <a:off x="523097" y="341311"/>
+            <a:ext cx="4744915" cy="1325563"/>
+          </a:xfrm>
+          <a:prstGeom prst="rect">
+            <a:avLst/>
+          </a:prstGeom>
+        </p:spPr>
+        <p:txBody>
+          <a:bodyPr vert="horz" lIns="91440" tIns="45720" rIns="91440" bIns="45720" rtlCol="0" anchor="ctr">
+            <a:normAutofit/>
+          </a:bodyPr>
+          <a:lstStyle>
+            <a:lvl1pPr algn="l" defTabSz="914400" rtl="0" eaLnBrk="1" latinLnBrk="0" hangingPunct="1">
+              <a:lnSpc>
+                <a:spcPct val="90000"/>
+              </a:lnSpc>
+              <a:spcBef>
+                <a:spcPct val="0"/>
+              </a:spcBef>
+              <a:buNone/>
+              <a:defRPr sz="4400" kern="1200">
+                <a:solidFill>
+                  <a:schemeClr val="tx1"/>
+                </a:solidFill>
+                <a:latin typeface="+mj-lt"/>
+                <a:ea typeface="+mj-ea"/>
+                <a:cs typeface="+mj-cs"/>
+              </a:defRPr>
+            </a:lvl1pPr>
+          </a:lstStyle>
+          <a:p>
+            <a:r>
+              <a:rPr lang="en-GB" dirty="0"/>
+              <a:t>Intranode</a:t>
+            </a:r>
+            <a:endParaRPr lang="en-DE" dirty="0"/>
+          </a:p>
+        </p:txBody>
+      </p:sp>
+      <p:cxnSp>
+        <p:nvCxnSpPr>
+          <p:cNvPr id="12" name="Straight Arrow Connector 11">
+            <a:extLst>
+              <a:ext uri="{FF2B5EF4-FFF2-40B4-BE49-F238E27FC236}">
+                <a16:creationId xmlns:a16="http://schemas.microsoft.com/office/drawing/2014/main" id="{8353E34F-7881-95A3-6582-541D67D90343}"/>
+              </a:ext>
+            </a:extLst>
+          </p:cNvPr>
+          <p:cNvCxnSpPr>
+            <a:cxnSpLocks/>
+          </p:cNvCxnSpPr>
+          <p:nvPr/>
+        </p:nvCxnSpPr>
+        <p:spPr>
+          <a:xfrm>
+            <a:off x="5882054" y="3042138"/>
+            <a:ext cx="1019908" cy="0"/>
+          </a:xfrm>
+          <a:prstGeom prst="straightConnector1">
+            <a:avLst/>
+          </a:prstGeom>
+          <a:ln>
+            <a:tailEnd type="triangle"/>
+          </a:ln>
+        </p:spPr>
+        <p:style>
+          <a:lnRef idx="2">
+            <a:schemeClr val="dk1"/>
+          </a:lnRef>
+          <a:fillRef idx="0">
+            <a:schemeClr val="dk1"/>
+          </a:fillRef>
+          <a:effectRef idx="1">
+            <a:schemeClr val="dk1"/>
+          </a:effectRef>
+          <a:fontRef idx="minor">
+            <a:schemeClr val="tx1"/>
+          </a:fontRef>
+        </p:style>
+      </p:cxnSp>
+    </p:spTree>
+    <p:extLst>
+      <p:ext uri="{BB962C8B-B14F-4D97-AF65-F5344CB8AC3E}">
+        <p14:creationId xmlns:p14="http://schemas.microsoft.com/office/powerpoint/2010/main" val="2248296779"/>
+      </p:ext>
+    </p:extLst>
+  </p:cSld>
+  <p:clrMapOvr>
+    <a:masterClrMapping/>
+  </p:clrMapOvr>
+</p:sld>
+</file>
+
+<file path=ppt/slides/slide11.xml><?xml version="1.0" encoding="utf-8"?>
+<p:sld xmlns:a="http://schemas.openxmlformats.org/drawingml/2006/main" xmlns:r="http://schemas.openxmlformats.org/officeDocument/2006/relationships" xmlns:p="http://schemas.openxmlformats.org/presentationml/2006/main">
+  <p:cSld>
+    <p:spTree>
+      <p:nvGrpSpPr>
+        <p:cNvPr id="1" name=""/>
+        <p:cNvGrpSpPr/>
+        <p:nvPr/>
+      </p:nvGrpSpPr>
+      <p:grpSpPr>
+        <a:xfrm>
+          <a:off x="0" y="0"/>
+          <a:ext cx="0" cy="0"/>
+          <a:chOff x="0" y="0"/>
+          <a:chExt cx="0" cy="0"/>
+        </a:xfrm>
+      </p:grpSpPr>
+      <p:sp>
+        <p:nvSpPr>
+          <p:cNvPr id="2" name="Title 1">
+            <a:extLst>
+              <a:ext uri="{FF2B5EF4-FFF2-40B4-BE49-F238E27FC236}">
+                <a16:creationId xmlns:a16="http://schemas.microsoft.com/office/drawing/2014/main" id="{4816F1BD-6EE8-C72C-637D-5C7A9ECFAC9E}"/>
+              </a:ext>
+            </a:extLst>
+          </p:cNvPr>
+          <p:cNvSpPr>
+            <a:spLocks noGrp="1"/>
+          </p:cNvSpPr>
+          <p:nvPr>
+            <p:ph type="title"/>
+          </p:nvPr>
+        </p:nvSpPr>
+        <p:spPr/>
+        <p:txBody>
+          <a:bodyPr/>
+          <a:lstStyle/>
+          <a:p>
+            <a:r>
+              <a:rPr lang="en-GB" dirty="0"/>
+              <a:t>Ping-Exchange Internode/Intranode</a:t>
+            </a:r>
+            <a:endParaRPr lang="en-DE" dirty="0"/>
+          </a:p>
+        </p:txBody>
+      </p:sp>
+      <p:sp>
+        <p:nvSpPr>
+          <p:cNvPr id="3" name="Footer Placeholder 3">
+            <a:extLst>
+              <a:ext uri="{FF2B5EF4-FFF2-40B4-BE49-F238E27FC236}">
+                <a16:creationId xmlns:a16="http://schemas.microsoft.com/office/drawing/2014/main" id="{CD13DA5E-8B0E-FA1D-D8AA-C239AADB853D}"/>
+              </a:ext>
+            </a:extLst>
+          </p:cNvPr>
+          <p:cNvSpPr>
+            <a:spLocks noGrp="1"/>
+          </p:cNvSpPr>
+          <p:nvPr>
+            <p:ph type="ftr" sz="quarter" idx="11"/>
+          </p:nvPr>
+        </p:nvSpPr>
+        <p:spPr>
+          <a:xfrm>
+            <a:off x="3560885" y="6356350"/>
+            <a:ext cx="5029199" cy="365125"/>
+          </a:xfrm>
+        </p:spPr>
+        <p:txBody>
+          <a:bodyPr/>
+          <a:lstStyle/>
+          <a:p>
+            <a:r>
+              <a:rPr lang="en-GB" dirty="0"/>
+              <a:t>Tests </a:t>
+            </a:r>
+            <a:r>
+              <a:rPr lang="en-GB" dirty="0">
+                <a:solidFill>
+                  <a:schemeClr val="tx1">
+                    <a:lumMod val="50000"/>
+                    <a:lumOff val="50000"/>
+                  </a:schemeClr>
+                </a:solidFill>
+              </a:rPr>
+              <a:t>– Ping-Pong </a:t>
+            </a:r>
+            <a:r>
+              <a:rPr lang="en-GB" dirty="0" err="1">
+                <a:solidFill>
+                  <a:schemeClr val="tx1">
+                    <a:lumMod val="50000"/>
+                    <a:lumOff val="50000"/>
+                  </a:schemeClr>
+                </a:solidFill>
+              </a:rPr>
+              <a:t>Programm</a:t>
+            </a:r>
+            <a:r>
+              <a:rPr lang="en-GB" dirty="0">
+                <a:solidFill>
+                  <a:schemeClr val="tx1">
+                    <a:lumMod val="50000"/>
+                    <a:lumOff val="50000"/>
+                  </a:schemeClr>
+                </a:solidFill>
+              </a:rPr>
+              <a:t> –</a:t>
+            </a:r>
+            <a:r>
+              <a:rPr lang="en-GB" dirty="0"/>
+              <a:t> </a:t>
+            </a:r>
+            <a:r>
+              <a:rPr lang="en-GB" dirty="0">
+                <a:solidFill>
+                  <a:schemeClr val="tx1">
+                    <a:lumMod val="50000"/>
+                    <a:lumOff val="50000"/>
+                  </a:schemeClr>
+                </a:solidFill>
+              </a:rPr>
+              <a:t>Ping-Exchange </a:t>
+            </a:r>
+            <a:r>
+              <a:rPr lang="en-GB" dirty="0" err="1">
+                <a:solidFill>
+                  <a:schemeClr val="tx1">
+                    <a:lumMod val="50000"/>
+                    <a:lumOff val="50000"/>
+                  </a:schemeClr>
+                </a:solidFill>
+              </a:rPr>
+              <a:t>Programm</a:t>
+            </a:r>
+            <a:r>
+              <a:rPr lang="en-GB" dirty="0">
+                <a:solidFill>
+                  <a:schemeClr val="tx1">
+                    <a:lumMod val="50000"/>
+                    <a:lumOff val="50000"/>
+                  </a:schemeClr>
+                </a:solidFill>
+              </a:rPr>
+              <a:t> – </a:t>
+            </a:r>
+            <a:r>
+              <a:rPr lang="en-GB" dirty="0" err="1">
+                <a:solidFill>
+                  <a:schemeClr val="tx1"/>
+                </a:solidFill>
+              </a:rPr>
+              <a:t>Messdaten</a:t>
+            </a:r>
+            <a:endParaRPr lang="en-DE" dirty="0">
+              <a:solidFill>
+                <a:schemeClr val="tx1"/>
+              </a:solidFill>
+            </a:endParaRPr>
+          </a:p>
+        </p:txBody>
+      </p:sp>
+    </p:spTree>
+    <p:extLst>
+      <p:ext uri="{BB962C8B-B14F-4D97-AF65-F5344CB8AC3E}">
+        <p14:creationId xmlns:p14="http://schemas.microsoft.com/office/powerpoint/2010/main" val="2931374902"/>
+      </p:ext>
+    </p:extLst>
+  </p:cSld>
+  <p:clrMapOvr>
+    <a:masterClrMapping/>
+  </p:clrMapOvr>
+</p:sld>
+</file>
+
 <file path=ppt/slides/slide2.xml><?xml version="1.0" encoding="utf-8"?>
 <p:sld xmlns:a="http://schemas.openxmlformats.org/drawingml/2006/main" xmlns:r="http://schemas.openxmlformats.org/officeDocument/2006/relationships" xmlns:p="http://schemas.openxmlformats.org/presentationml/2006/main">
   <p:cSld>
@@ -5026,6 +5436,12 @@
           <a:p>
             <a:r>
               <a:rPr lang="en-GB" dirty="0"/>
+              <a:t>Tests</a:t>
+            </a:r>
+          </a:p>
+          <a:p>
+            <a:r>
+              <a:rPr lang="en-GB" dirty="0"/>
               <a:t>Ping-Pong </a:t>
             </a:r>
             <a:r>
@@ -5047,9 +5463,18 @@
           </a:p>
           <a:p>
             <a:r>
-              <a:rPr lang="en-GB" dirty="0"/>
-              <a:t>Tests</a:t>
-            </a:r>
+              <a:rPr lang="en-GB" dirty="0" err="1"/>
+              <a:t>Messdaten</a:t>
+            </a:r>
+            <a:endParaRPr lang="en-GB" dirty="0"/>
+          </a:p>
+          <a:p>
+            <a:pPr marL="0" indent="0">
+              <a:buNone/>
+            </a:pPr>
+            <a:endParaRPr lang="en-GB" dirty="0"/>
+          </a:p>
+          <a:p>
             <a:endParaRPr lang="en-DE" dirty="0"/>
           </a:p>
         </p:txBody>
@@ -5132,7 +5557,7 @@
           <a:p>
             <a:r>
               <a:rPr lang="en-GB" dirty="0"/>
-              <a:t>Ping-Pong</a:t>
+              <a:t>Tests</a:t>
             </a:r>
             <a:endParaRPr lang="en-DE" dirty="0"/>
           </a:p>
@@ -5154,7 +5579,12 @@
             <p:ph type="ftr" sz="quarter" idx="11"/>
           </p:nvPr>
         </p:nvSpPr>
-        <p:spPr/>
+        <p:spPr>
+          <a:xfrm>
+            <a:off x="3560885" y="6356350"/>
+            <a:ext cx="5029199" cy="365125"/>
+          </a:xfrm>
+        </p:spPr>
         <p:txBody>
           <a:bodyPr/>
           <a:lstStyle/>
@@ -5165,12 +5595,26 @@
                   <a:schemeClr val="tx1"/>
                 </a:solidFill>
               </a:rPr>
-              <a:t>Ping-Pong </a:t>
+              <a:t>Tests</a:t>
+            </a:r>
+            <a:r>
+              <a:rPr lang="en-GB" dirty="0">
+                <a:solidFill>
+                  <a:schemeClr val="tx1">
+                    <a:lumMod val="50000"/>
+                    <a:lumOff val="50000"/>
+                  </a:schemeClr>
+                </a:solidFill>
+              </a:rPr>
+              <a:t> - Ping-Pong </a:t>
             </a:r>
             <a:r>
               <a:rPr lang="en-GB" dirty="0" err="1">
                 <a:solidFill>
-                  <a:schemeClr val="tx1"/>
+                  <a:schemeClr val="tx1">
+                    <a:lumMod val="50000"/>
+                    <a:lumOff val="50000"/>
+                  </a:schemeClr>
                 </a:solidFill>
               </a:rPr>
               <a:t>Programm</a:t>
@@ -5178,33 +5622,64 @@
             <a:r>
               <a:rPr lang="en-GB" dirty="0">
                 <a:solidFill>
-                  <a:schemeClr val="tx1"/>
+                  <a:schemeClr val="tx1">
+                    <a:lumMod val="50000"/>
+                    <a:lumOff val="50000"/>
+                  </a:schemeClr>
                 </a:solidFill>
               </a:rPr>
-              <a:t> </a:t>
-            </a:r>
-            <a:r>
-              <a:rPr lang="en-GB" dirty="0"/>
-              <a:t>– Ping-Exchange </a:t>
-            </a:r>
-            <a:r>
-              <a:rPr lang="en-GB" dirty="0" err="1"/>
+              <a:t> – Ping-Exchange </a:t>
+            </a:r>
+            <a:r>
+              <a:rPr lang="en-GB" dirty="0" err="1">
+                <a:solidFill>
+                  <a:schemeClr val="tx1">
+                    <a:lumMod val="50000"/>
+                    <a:lumOff val="50000"/>
+                  </a:schemeClr>
+                </a:solidFill>
+              </a:rPr>
               <a:t>Programm</a:t>
             </a:r>
             <a:r>
-              <a:rPr lang="en-GB" dirty="0"/>
-              <a:t> - Tests</a:t>
-            </a:r>
-            <a:endParaRPr lang="en-DE" dirty="0"/>
-          </a:p>
-        </p:txBody>
-      </p:sp>
-      <p:sp>
-        <p:nvSpPr>
-          <p:cNvPr id="5" name="TextBox 4">
-            <a:extLst>
-              <a:ext uri="{FF2B5EF4-FFF2-40B4-BE49-F238E27FC236}">
-                <a16:creationId xmlns:a16="http://schemas.microsoft.com/office/drawing/2014/main" id="{C55B5D2E-A497-F55F-5D4C-B2AF370050F3}"/>
+              <a:rPr lang="en-GB" dirty="0">
+                <a:solidFill>
+                  <a:schemeClr val="tx1">
+                    <a:lumMod val="50000"/>
+                    <a:lumOff val="50000"/>
+                  </a:schemeClr>
+                </a:solidFill>
+              </a:rPr>
+              <a:t> – </a:t>
+            </a:r>
+            <a:r>
+              <a:rPr lang="en-GB" dirty="0" err="1">
+                <a:solidFill>
+                  <a:schemeClr val="tx1">
+                    <a:lumMod val="50000"/>
+                    <a:lumOff val="50000"/>
+                  </a:schemeClr>
+                </a:solidFill>
+              </a:rPr>
+              <a:t>Messdaten</a:t>
+            </a:r>
+            <a:endParaRPr lang="en-DE" dirty="0">
+              <a:solidFill>
+                <a:schemeClr val="tx1">
+                  <a:lumMod val="50000"/>
+                  <a:lumOff val="50000"/>
+                </a:schemeClr>
+              </a:solidFill>
+            </a:endParaRPr>
+          </a:p>
+        </p:txBody>
+      </p:sp>
+      <p:sp>
+        <p:nvSpPr>
+          <p:cNvPr id="3" name="TextBox 2">
+            <a:extLst>
+              <a:ext uri="{FF2B5EF4-FFF2-40B4-BE49-F238E27FC236}">
+                <a16:creationId xmlns:a16="http://schemas.microsoft.com/office/drawing/2014/main" id="{A7F8E355-A483-0318-C374-54F71F1220B1}"/>
               </a:ext>
             </a:extLst>
           </p:cNvPr>
@@ -5213,8 +5688,8 @@
         </p:nvSpPr>
         <p:spPr>
           <a:xfrm>
-            <a:off x="2312377" y="1690688"/>
-            <a:ext cx="2497015" cy="369332"/>
+            <a:off x="967154" y="1573823"/>
+            <a:ext cx="5128846" cy="2585323"/>
           </a:xfrm>
           <a:prstGeom prst="rect">
             <a:avLst/>
@@ -5228,23 +5703,66 @@
           <a:lstStyle/>
           <a:p>
             <a:r>
-              <a:rPr lang="en-GB" u="sng" dirty="0" err="1"/>
+              <a:rPr lang="en-GB" dirty="0" err="1"/>
               <a:t>Prozess</a:t>
             </a:r>
             <a:r>
-              <a:rPr lang="en-GB" u="sng" dirty="0"/>
+              <a:rPr lang="en-GB" dirty="0"/>
               <a:t> 0</a:t>
             </a:r>
+          </a:p>
+          <a:p>
             <a:endParaRPr lang="en-GB" dirty="0"/>
           </a:p>
-        </p:txBody>
-      </p:sp>
-      <p:sp>
-        <p:nvSpPr>
-          <p:cNvPr id="6" name="TextBox 5">
-            <a:extLst>
-              <a:ext uri="{FF2B5EF4-FFF2-40B4-BE49-F238E27FC236}">
-                <a16:creationId xmlns:a16="http://schemas.microsoft.com/office/drawing/2014/main" id="{FC0E5AE9-CE59-D360-1D8E-666BF428B7A2}"/>
+          <a:p>
+            <a:r>
+              <a:rPr lang="en-GB" dirty="0"/>
+              <a:t>Start = time()</a:t>
+            </a:r>
+          </a:p>
+          <a:p>
+            <a:endParaRPr lang="en-GB" dirty="0"/>
+          </a:p>
+          <a:p>
+            <a:r>
+              <a:rPr lang="en-GB" dirty="0"/>
+              <a:t>Send() </a:t>
+            </a:r>
+          </a:p>
+          <a:p>
+            <a:r>
+              <a:rPr lang="en-GB" dirty="0" err="1"/>
+              <a:t>Recv</a:t>
+            </a:r>
+            <a:r>
+              <a:rPr lang="en-GB" dirty="0"/>
+              <a:t>()</a:t>
+            </a:r>
+          </a:p>
+          <a:p>
+            <a:endParaRPr lang="en-GB" dirty="0"/>
+          </a:p>
+          <a:p>
+            <a:r>
+              <a:rPr lang="en-GB" dirty="0"/>
+              <a:t>End = time()</a:t>
+            </a:r>
+          </a:p>
+          <a:p>
+            <a:r>
+              <a:rPr lang="en-GB" dirty="0"/>
+              <a:t>Half-round-trip-time = (End-Start)/2</a:t>
+            </a:r>
+            <a:endParaRPr lang="en-DE" dirty="0"/>
+          </a:p>
+        </p:txBody>
+      </p:sp>
+      <p:sp>
+        <p:nvSpPr>
+          <p:cNvPr id="5" name="TextBox 4">
+            <a:extLst>
+              <a:ext uri="{FF2B5EF4-FFF2-40B4-BE49-F238E27FC236}">
+                <a16:creationId xmlns:a16="http://schemas.microsoft.com/office/drawing/2014/main" id="{DF7C2776-1B9D-EC7C-3470-58140A133D8F}"/>
               </a:ext>
             </a:extLst>
           </p:cNvPr>
@@ -5253,8 +5771,8 @@
         </p:nvSpPr>
         <p:spPr>
           <a:xfrm>
-            <a:off x="7362091" y="1690688"/>
-            <a:ext cx="2497015" cy="369332"/>
+            <a:off x="7063154" y="1573823"/>
+            <a:ext cx="5128846" cy="1200329"/>
           </a:xfrm>
           <a:prstGeom prst="rect">
             <a:avLst/>
@@ -5267,445 +5785,40 @@
           </a:bodyPr>
           <a:lstStyle/>
           <a:p>
-            <a:pPr algn="r"/>
-            <a:r>
-              <a:rPr lang="en-GB" u="sng" dirty="0" err="1"/>
+            <a:r>
+              <a:rPr lang="en-GB" dirty="0" err="1"/>
               <a:t>Prozess</a:t>
             </a:r>
             <a:r>
-              <a:rPr lang="en-GB" u="sng" dirty="0"/>
+              <a:rPr lang="en-GB" dirty="0"/>
               <a:t> 1</a:t>
             </a:r>
-            <a:endParaRPr lang="en-DE" dirty="0"/>
-          </a:p>
-        </p:txBody>
-      </p:sp>
-      <p:cxnSp>
-        <p:nvCxnSpPr>
-          <p:cNvPr id="8" name="Straight Arrow Connector 7">
-            <a:extLst>
-              <a:ext uri="{FF2B5EF4-FFF2-40B4-BE49-F238E27FC236}">
-                <a16:creationId xmlns:a16="http://schemas.microsoft.com/office/drawing/2014/main" id="{699555A1-7DF9-6541-7C91-44F9FE26B3C5}"/>
-              </a:ext>
-            </a:extLst>
-          </p:cNvPr>
-          <p:cNvCxnSpPr>
-            <a:cxnSpLocks/>
-            <a:stCxn id="5" idx="2"/>
-          </p:cNvCxnSpPr>
-          <p:nvPr/>
-        </p:nvCxnSpPr>
-        <p:spPr>
-          <a:xfrm flipH="1">
-            <a:off x="3560884" y="2060020"/>
-            <a:ext cx="1" cy="3619811"/>
-          </a:xfrm>
-          <a:prstGeom prst="straightConnector1">
-            <a:avLst/>
-          </a:prstGeom>
-          <a:ln>
-            <a:tailEnd type="triangle"/>
-          </a:ln>
-        </p:spPr>
-        <p:style>
-          <a:lnRef idx="2">
-            <a:schemeClr val="dk1"/>
-          </a:lnRef>
-          <a:fillRef idx="0">
-            <a:schemeClr val="dk1"/>
-          </a:fillRef>
-          <a:effectRef idx="1">
-            <a:schemeClr val="dk1"/>
-          </a:effectRef>
-          <a:fontRef idx="minor">
-            <a:schemeClr val="tx1"/>
-          </a:fontRef>
-        </p:style>
-      </p:cxnSp>
-      <p:cxnSp>
-        <p:nvCxnSpPr>
-          <p:cNvPr id="10" name="Straight Arrow Connector 9">
-            <a:extLst>
-              <a:ext uri="{FF2B5EF4-FFF2-40B4-BE49-F238E27FC236}">
-                <a16:creationId xmlns:a16="http://schemas.microsoft.com/office/drawing/2014/main" id="{922BCF26-A0DA-C5AE-3C09-2E00990230A9}"/>
-              </a:ext>
-            </a:extLst>
-          </p:cNvPr>
-          <p:cNvCxnSpPr>
-            <a:cxnSpLocks/>
-            <a:stCxn id="6" idx="2"/>
-          </p:cNvCxnSpPr>
-          <p:nvPr/>
-        </p:nvCxnSpPr>
-        <p:spPr>
-          <a:xfrm flipH="1">
-            <a:off x="8610598" y="2060020"/>
-            <a:ext cx="1" cy="3813242"/>
-          </a:xfrm>
-          <a:prstGeom prst="straightConnector1">
-            <a:avLst/>
-          </a:prstGeom>
-          <a:ln>
-            <a:tailEnd type="triangle"/>
-          </a:ln>
-        </p:spPr>
-        <p:style>
-          <a:lnRef idx="2">
-            <a:schemeClr val="dk1"/>
-          </a:lnRef>
-          <a:fillRef idx="0">
-            <a:schemeClr val="dk1"/>
-          </a:fillRef>
-          <a:effectRef idx="1">
-            <a:schemeClr val="dk1"/>
-          </a:effectRef>
-          <a:fontRef idx="minor">
-            <a:schemeClr val="tx1"/>
-          </a:fontRef>
-        </p:style>
-      </p:cxnSp>
-      <p:cxnSp>
-        <p:nvCxnSpPr>
-          <p:cNvPr id="15" name="Straight Arrow Connector 14">
-            <a:extLst>
-              <a:ext uri="{FF2B5EF4-FFF2-40B4-BE49-F238E27FC236}">
-                <a16:creationId xmlns:a16="http://schemas.microsoft.com/office/drawing/2014/main" id="{9E438B9C-2DC8-F746-AD79-DF4B5477D35C}"/>
-              </a:ext>
-            </a:extLst>
-          </p:cNvPr>
-          <p:cNvCxnSpPr>
-            <a:cxnSpLocks/>
-          </p:cNvCxnSpPr>
-          <p:nvPr/>
-        </p:nvCxnSpPr>
-        <p:spPr>
-          <a:xfrm>
-            <a:off x="3560884" y="2168954"/>
-            <a:ext cx="5049714" cy="1382117"/>
-          </a:xfrm>
-          <a:prstGeom prst="straightConnector1">
-            <a:avLst/>
-          </a:prstGeom>
-          <a:ln>
-            <a:tailEnd type="triangle"/>
-          </a:ln>
-        </p:spPr>
-        <p:style>
-          <a:lnRef idx="2">
-            <a:schemeClr val="dk1"/>
-          </a:lnRef>
-          <a:fillRef idx="0">
-            <a:schemeClr val="dk1"/>
-          </a:fillRef>
-          <a:effectRef idx="1">
-            <a:schemeClr val="dk1"/>
-          </a:effectRef>
-          <a:fontRef idx="minor">
-            <a:schemeClr val="tx1"/>
-          </a:fontRef>
-        </p:style>
-      </p:cxnSp>
-      <p:cxnSp>
-        <p:nvCxnSpPr>
-          <p:cNvPr id="3" name="Straight Arrow Connector 2">
-            <a:extLst>
-              <a:ext uri="{FF2B5EF4-FFF2-40B4-BE49-F238E27FC236}">
-                <a16:creationId xmlns:a16="http://schemas.microsoft.com/office/drawing/2014/main" id="{847F5768-9AE3-93D7-E2D0-64C919C62C80}"/>
-              </a:ext>
-            </a:extLst>
-          </p:cNvPr>
-          <p:cNvCxnSpPr>
-            <a:cxnSpLocks/>
-          </p:cNvCxnSpPr>
-          <p:nvPr/>
-        </p:nvCxnSpPr>
-        <p:spPr>
-          <a:xfrm flipH="1">
-            <a:off x="3560884" y="3789485"/>
-            <a:ext cx="5049714" cy="1644161"/>
-          </a:xfrm>
-          <a:prstGeom prst="straightConnector1">
-            <a:avLst/>
-          </a:prstGeom>
-          <a:ln>
-            <a:tailEnd type="triangle"/>
-          </a:ln>
-        </p:spPr>
-        <p:style>
-          <a:lnRef idx="2">
-            <a:schemeClr val="dk1"/>
-          </a:lnRef>
-          <a:fillRef idx="0">
-            <a:schemeClr val="dk1"/>
-          </a:fillRef>
-          <a:effectRef idx="1">
-            <a:schemeClr val="dk1"/>
-          </a:effectRef>
-          <a:fontRef idx="minor">
-            <a:schemeClr val="tx1"/>
-          </a:fontRef>
-        </p:style>
-      </p:cxnSp>
-      <p:sp>
-        <p:nvSpPr>
-          <p:cNvPr id="14" name="TextBox 13">
-            <a:extLst>
-              <a:ext uri="{FF2B5EF4-FFF2-40B4-BE49-F238E27FC236}">
-                <a16:creationId xmlns:a16="http://schemas.microsoft.com/office/drawing/2014/main" id="{19AD0878-BFB5-6CBA-E73A-9D130B1E70FD}"/>
-              </a:ext>
-            </a:extLst>
-          </p:cNvPr>
-          <p:cNvSpPr txBox="1"/>
-          <p:nvPr/>
-        </p:nvSpPr>
-        <p:spPr>
-          <a:xfrm>
-            <a:off x="3880339" y="1929821"/>
-            <a:ext cx="2497015" cy="369332"/>
-          </a:xfrm>
-          <a:prstGeom prst="rect">
-            <a:avLst/>
-          </a:prstGeom>
-          <a:noFill/>
-        </p:spPr>
-        <p:txBody>
-          <a:bodyPr wrap="square" rtlCol="0">
-            <a:spAutoFit/>
-          </a:bodyPr>
-          <a:lstStyle/>
+          </a:p>
+          <a:p>
+            <a:endParaRPr lang="en-GB" dirty="0"/>
+          </a:p>
           <a:p>
             <a:r>
               <a:rPr lang="en-GB" dirty="0" err="1"/>
-              <a:t>MPI_Send</a:t>
+              <a:t>Recv</a:t>
             </a:r>
             <a:r>
               <a:rPr lang="en-GB" dirty="0"/>
               <a:t>()</a:t>
             </a:r>
           </a:p>
-        </p:txBody>
-      </p:sp>
-      <p:sp>
-        <p:nvSpPr>
-          <p:cNvPr id="16" name="TextBox 15">
-            <a:extLst>
-              <a:ext uri="{FF2B5EF4-FFF2-40B4-BE49-F238E27FC236}">
-                <a16:creationId xmlns:a16="http://schemas.microsoft.com/office/drawing/2014/main" id="{8ADF0044-7655-9266-A56A-E8B3615EEDA2}"/>
-              </a:ext>
-            </a:extLst>
-          </p:cNvPr>
-          <p:cNvSpPr txBox="1"/>
-          <p:nvPr/>
-        </p:nvSpPr>
-        <p:spPr>
-          <a:xfrm>
-            <a:off x="7362092" y="4325830"/>
-            <a:ext cx="1324708" cy="369332"/>
-          </a:xfrm>
-          <a:prstGeom prst="rect">
-            <a:avLst/>
-          </a:prstGeom>
-          <a:noFill/>
-        </p:spPr>
-        <p:txBody>
-          <a:bodyPr wrap="square" rtlCol="0">
-            <a:spAutoFit/>
-          </a:bodyPr>
-          <a:lstStyle/>
-          <a:p>
-            <a:r>
-              <a:rPr lang="en-GB" dirty="0" err="1"/>
-              <a:t>MPI_Send</a:t>
-            </a:r>
+          <a:p>
             <a:r>
               <a:rPr lang="en-GB" dirty="0"/>
-              <a:t>()</a:t>
-            </a:r>
-          </a:p>
-        </p:txBody>
-      </p:sp>
-      <p:sp>
-        <p:nvSpPr>
-          <p:cNvPr id="17" name="TextBox 16">
-            <a:extLst>
-              <a:ext uri="{FF2B5EF4-FFF2-40B4-BE49-F238E27FC236}">
-                <a16:creationId xmlns:a16="http://schemas.microsoft.com/office/drawing/2014/main" id="{007523EB-2787-7E03-C9EB-77D72E111B65}"/>
-              </a:ext>
-            </a:extLst>
-          </p:cNvPr>
-          <p:cNvSpPr txBox="1"/>
-          <p:nvPr/>
-        </p:nvSpPr>
-        <p:spPr>
-          <a:xfrm>
-            <a:off x="7285892" y="2937598"/>
-            <a:ext cx="1324708" cy="369332"/>
-          </a:xfrm>
-          <a:prstGeom prst="rect">
-            <a:avLst/>
-          </a:prstGeom>
-          <a:noFill/>
-        </p:spPr>
-        <p:txBody>
-          <a:bodyPr wrap="square" rtlCol="0">
-            <a:spAutoFit/>
-          </a:bodyPr>
-          <a:lstStyle/>
-          <a:p>
-            <a:r>
-              <a:rPr lang="en-GB" dirty="0" err="1"/>
-              <a:t>MPI_Recv</a:t>
-            </a:r>
-            <a:r>
-              <a:rPr lang="en-GB" dirty="0"/>
-              <a:t>()</a:t>
-            </a:r>
-          </a:p>
-        </p:txBody>
-      </p:sp>
-      <p:sp>
-        <p:nvSpPr>
-          <p:cNvPr id="18" name="TextBox 17">
-            <a:extLst>
-              <a:ext uri="{FF2B5EF4-FFF2-40B4-BE49-F238E27FC236}">
-                <a16:creationId xmlns:a16="http://schemas.microsoft.com/office/drawing/2014/main" id="{0738526E-9406-079A-489F-504CFF6C5B10}"/>
-              </a:ext>
-            </a:extLst>
-          </p:cNvPr>
-          <p:cNvSpPr txBox="1"/>
-          <p:nvPr/>
-        </p:nvSpPr>
-        <p:spPr>
-          <a:xfrm>
-            <a:off x="3675184" y="5324712"/>
-            <a:ext cx="1324708" cy="369332"/>
-          </a:xfrm>
-          <a:prstGeom prst="rect">
-            <a:avLst/>
-          </a:prstGeom>
-          <a:noFill/>
-        </p:spPr>
-        <p:txBody>
-          <a:bodyPr wrap="square" rtlCol="0">
-            <a:spAutoFit/>
-          </a:bodyPr>
-          <a:lstStyle/>
-          <a:p>
-            <a:r>
-              <a:rPr lang="en-GB" dirty="0" err="1"/>
-              <a:t>MPI_Recv</a:t>
-            </a:r>
-            <a:r>
-              <a:rPr lang="en-GB" dirty="0"/>
-              <a:t>()</a:t>
-            </a:r>
-          </a:p>
-        </p:txBody>
-      </p:sp>
-      <p:sp>
-        <p:nvSpPr>
-          <p:cNvPr id="19" name="TextBox 18">
-            <a:extLst>
-              <a:ext uri="{FF2B5EF4-FFF2-40B4-BE49-F238E27FC236}">
-                <a16:creationId xmlns:a16="http://schemas.microsoft.com/office/drawing/2014/main" id="{CA36E49E-AEEE-3234-2F86-F96BA2E1E63A}"/>
-              </a:ext>
-            </a:extLst>
-          </p:cNvPr>
-          <p:cNvSpPr txBox="1"/>
-          <p:nvPr/>
-        </p:nvSpPr>
-        <p:spPr>
-          <a:xfrm>
-            <a:off x="1899138" y="2168954"/>
-            <a:ext cx="1342292" cy="646331"/>
-          </a:xfrm>
-          <a:prstGeom prst="rect">
-            <a:avLst/>
-          </a:prstGeom>
-          <a:noFill/>
-        </p:spPr>
-        <p:txBody>
-          <a:bodyPr wrap="square" rtlCol="0">
-            <a:spAutoFit/>
-          </a:bodyPr>
-          <a:lstStyle/>
-          <a:p>
-            <a:r>
-              <a:rPr lang="en-GB" dirty="0" err="1"/>
-              <a:t>MPI_Send</a:t>
-            </a:r>
-            <a:r>
-              <a:rPr lang="en-GB" dirty="0"/>
-              <a:t>()</a:t>
-            </a:r>
-          </a:p>
-          <a:p>
-            <a:r>
-              <a:rPr lang="en-GB" dirty="0" err="1"/>
-              <a:t>MPI_Recv</a:t>
-            </a:r>
-            <a:r>
-              <a:rPr lang="en-GB" dirty="0"/>
-              <a:t>()</a:t>
-            </a:r>
-            <a:endParaRPr lang="en-DE" dirty="0"/>
-          </a:p>
-        </p:txBody>
-      </p:sp>
-      <p:sp>
-        <p:nvSpPr>
-          <p:cNvPr id="21" name="TextBox 20">
-            <a:extLst>
-              <a:ext uri="{FF2B5EF4-FFF2-40B4-BE49-F238E27FC236}">
-                <a16:creationId xmlns:a16="http://schemas.microsoft.com/office/drawing/2014/main" id="{081415E1-E162-2715-421E-DB5AB887B707}"/>
-              </a:ext>
-            </a:extLst>
-          </p:cNvPr>
-          <p:cNvSpPr txBox="1"/>
-          <p:nvPr/>
-        </p:nvSpPr>
-        <p:spPr>
-          <a:xfrm>
-            <a:off x="8686800" y="2171211"/>
-            <a:ext cx="1342292" cy="646331"/>
-          </a:xfrm>
-          <a:prstGeom prst="rect">
-            <a:avLst/>
-          </a:prstGeom>
-          <a:noFill/>
-        </p:spPr>
-        <p:txBody>
-          <a:bodyPr wrap="square" rtlCol="0">
-            <a:spAutoFit/>
-          </a:bodyPr>
-          <a:lstStyle/>
-          <a:p>
-            <a:r>
-              <a:rPr lang="en-GB" dirty="0" err="1"/>
-              <a:t>MPI_Send</a:t>
-            </a:r>
-            <a:r>
-              <a:rPr lang="en-GB" dirty="0"/>
-              <a:t>()</a:t>
-            </a:r>
-          </a:p>
-          <a:p>
-            <a:r>
-              <a:rPr lang="en-GB" dirty="0" err="1"/>
-              <a:t>MPI_Recv</a:t>
-            </a:r>
-            <a:r>
-              <a:rPr lang="en-GB" dirty="0"/>
-              <a:t>()</a:t>
-            </a:r>
-            <a:endParaRPr lang="en-DE" dirty="0"/>
+              <a:t>Send()</a:t>
+            </a:r>
           </a:p>
         </p:txBody>
       </p:sp>
     </p:spTree>
     <p:extLst>
       <p:ext uri="{BB962C8B-B14F-4D97-AF65-F5344CB8AC3E}">
-        <p14:creationId xmlns:p14="http://schemas.microsoft.com/office/powerpoint/2010/main" val="489599171"/>
+        <p14:creationId xmlns:p14="http://schemas.microsoft.com/office/powerpoint/2010/main" val="1060625906"/>
       </p:ext>
     </p:extLst>
   </p:cSld>
@@ -5755,11 +5868,460 @@
           <a:p>
             <a:r>
               <a:rPr lang="en-GB" dirty="0"/>
-              <a:t>Ping-Pong </a:t>
-            </a:r>
+              <a:t>Ping-Pong</a:t>
+            </a:r>
+            <a:endParaRPr lang="en-DE" dirty="0"/>
+          </a:p>
+        </p:txBody>
+      </p:sp>
+      <p:sp>
+        <p:nvSpPr>
+          <p:cNvPr id="5" name="TextBox 4">
+            <a:extLst>
+              <a:ext uri="{FF2B5EF4-FFF2-40B4-BE49-F238E27FC236}">
+                <a16:creationId xmlns:a16="http://schemas.microsoft.com/office/drawing/2014/main" id="{C55B5D2E-A497-F55F-5D4C-B2AF370050F3}"/>
+              </a:ext>
+            </a:extLst>
+          </p:cNvPr>
+          <p:cNvSpPr txBox="1"/>
+          <p:nvPr/>
+        </p:nvSpPr>
+        <p:spPr>
+          <a:xfrm>
+            <a:off x="2312377" y="1690688"/>
+            <a:ext cx="2497015" cy="369332"/>
+          </a:xfrm>
+          <a:prstGeom prst="rect">
+            <a:avLst/>
+          </a:prstGeom>
+          <a:noFill/>
+        </p:spPr>
+        <p:txBody>
+          <a:bodyPr wrap="square" rtlCol="0">
+            <a:spAutoFit/>
+          </a:bodyPr>
+          <a:lstStyle/>
+          <a:p>
+            <a:r>
+              <a:rPr lang="en-GB" u="sng" dirty="0" err="1"/>
+              <a:t>Prozess</a:t>
+            </a:r>
+            <a:r>
+              <a:rPr lang="en-GB" u="sng" dirty="0"/>
+              <a:t> 0</a:t>
+            </a:r>
+            <a:endParaRPr lang="en-GB" dirty="0"/>
+          </a:p>
+        </p:txBody>
+      </p:sp>
+      <p:sp>
+        <p:nvSpPr>
+          <p:cNvPr id="6" name="TextBox 5">
+            <a:extLst>
+              <a:ext uri="{FF2B5EF4-FFF2-40B4-BE49-F238E27FC236}">
+                <a16:creationId xmlns:a16="http://schemas.microsoft.com/office/drawing/2014/main" id="{FC0E5AE9-CE59-D360-1D8E-666BF428B7A2}"/>
+              </a:ext>
+            </a:extLst>
+          </p:cNvPr>
+          <p:cNvSpPr txBox="1"/>
+          <p:nvPr/>
+        </p:nvSpPr>
+        <p:spPr>
+          <a:xfrm>
+            <a:off x="7362091" y="1690688"/>
+            <a:ext cx="2497015" cy="369332"/>
+          </a:xfrm>
+          <a:prstGeom prst="rect">
+            <a:avLst/>
+          </a:prstGeom>
+          <a:noFill/>
+        </p:spPr>
+        <p:txBody>
+          <a:bodyPr wrap="square" rtlCol="0">
+            <a:spAutoFit/>
+          </a:bodyPr>
+          <a:lstStyle/>
+          <a:p>
+            <a:pPr algn="r"/>
+            <a:r>
+              <a:rPr lang="en-GB" u="sng" dirty="0" err="1"/>
+              <a:t>Prozess</a:t>
+            </a:r>
+            <a:r>
+              <a:rPr lang="en-GB" u="sng" dirty="0"/>
+              <a:t> 1</a:t>
+            </a:r>
+            <a:endParaRPr lang="en-DE" dirty="0"/>
+          </a:p>
+        </p:txBody>
+      </p:sp>
+      <p:cxnSp>
+        <p:nvCxnSpPr>
+          <p:cNvPr id="8" name="Straight Arrow Connector 7">
+            <a:extLst>
+              <a:ext uri="{FF2B5EF4-FFF2-40B4-BE49-F238E27FC236}">
+                <a16:creationId xmlns:a16="http://schemas.microsoft.com/office/drawing/2014/main" id="{699555A1-7DF9-6541-7C91-44F9FE26B3C5}"/>
+              </a:ext>
+            </a:extLst>
+          </p:cNvPr>
+          <p:cNvCxnSpPr>
+            <a:cxnSpLocks/>
+            <a:stCxn id="5" idx="2"/>
+          </p:cNvCxnSpPr>
+          <p:nvPr/>
+        </p:nvCxnSpPr>
+        <p:spPr>
+          <a:xfrm flipH="1">
+            <a:off x="3560884" y="2060020"/>
+            <a:ext cx="1" cy="3619811"/>
+          </a:xfrm>
+          <a:prstGeom prst="straightConnector1">
+            <a:avLst/>
+          </a:prstGeom>
+          <a:ln>
+            <a:tailEnd type="triangle"/>
+          </a:ln>
+        </p:spPr>
+        <p:style>
+          <a:lnRef idx="2">
+            <a:schemeClr val="dk1"/>
+          </a:lnRef>
+          <a:fillRef idx="0">
+            <a:schemeClr val="dk1"/>
+          </a:fillRef>
+          <a:effectRef idx="1">
+            <a:schemeClr val="dk1"/>
+          </a:effectRef>
+          <a:fontRef idx="minor">
+            <a:schemeClr val="tx1"/>
+          </a:fontRef>
+        </p:style>
+      </p:cxnSp>
+      <p:cxnSp>
+        <p:nvCxnSpPr>
+          <p:cNvPr id="10" name="Straight Arrow Connector 9">
+            <a:extLst>
+              <a:ext uri="{FF2B5EF4-FFF2-40B4-BE49-F238E27FC236}">
+                <a16:creationId xmlns:a16="http://schemas.microsoft.com/office/drawing/2014/main" id="{922BCF26-A0DA-C5AE-3C09-2E00990230A9}"/>
+              </a:ext>
+            </a:extLst>
+          </p:cNvPr>
+          <p:cNvCxnSpPr>
+            <a:cxnSpLocks/>
+            <a:stCxn id="6" idx="2"/>
+          </p:cNvCxnSpPr>
+          <p:nvPr/>
+        </p:nvCxnSpPr>
+        <p:spPr>
+          <a:xfrm flipH="1">
+            <a:off x="8610598" y="2060020"/>
+            <a:ext cx="1" cy="3813242"/>
+          </a:xfrm>
+          <a:prstGeom prst="straightConnector1">
+            <a:avLst/>
+          </a:prstGeom>
+          <a:ln>
+            <a:tailEnd type="triangle"/>
+          </a:ln>
+        </p:spPr>
+        <p:style>
+          <a:lnRef idx="2">
+            <a:schemeClr val="dk1"/>
+          </a:lnRef>
+          <a:fillRef idx="0">
+            <a:schemeClr val="dk1"/>
+          </a:fillRef>
+          <a:effectRef idx="1">
+            <a:schemeClr val="dk1"/>
+          </a:effectRef>
+          <a:fontRef idx="minor">
+            <a:schemeClr val="tx1"/>
+          </a:fontRef>
+        </p:style>
+      </p:cxnSp>
+      <p:cxnSp>
+        <p:nvCxnSpPr>
+          <p:cNvPr id="15" name="Straight Arrow Connector 14">
+            <a:extLst>
+              <a:ext uri="{FF2B5EF4-FFF2-40B4-BE49-F238E27FC236}">
+                <a16:creationId xmlns:a16="http://schemas.microsoft.com/office/drawing/2014/main" id="{9E438B9C-2DC8-F746-AD79-DF4B5477D35C}"/>
+              </a:ext>
+            </a:extLst>
+          </p:cNvPr>
+          <p:cNvCxnSpPr>
+            <a:cxnSpLocks/>
+          </p:cNvCxnSpPr>
+          <p:nvPr/>
+        </p:nvCxnSpPr>
+        <p:spPr>
+          <a:xfrm>
+            <a:off x="3560884" y="2168954"/>
+            <a:ext cx="5049714" cy="1382117"/>
+          </a:xfrm>
+          <a:prstGeom prst="straightConnector1">
+            <a:avLst/>
+          </a:prstGeom>
+          <a:ln>
+            <a:tailEnd type="triangle"/>
+          </a:ln>
+        </p:spPr>
+        <p:style>
+          <a:lnRef idx="2">
+            <a:schemeClr val="dk1"/>
+          </a:lnRef>
+          <a:fillRef idx="0">
+            <a:schemeClr val="dk1"/>
+          </a:fillRef>
+          <a:effectRef idx="1">
+            <a:schemeClr val="dk1"/>
+          </a:effectRef>
+          <a:fontRef idx="minor">
+            <a:schemeClr val="tx1"/>
+          </a:fontRef>
+        </p:style>
+      </p:cxnSp>
+      <p:cxnSp>
+        <p:nvCxnSpPr>
+          <p:cNvPr id="3" name="Straight Arrow Connector 2">
+            <a:extLst>
+              <a:ext uri="{FF2B5EF4-FFF2-40B4-BE49-F238E27FC236}">
+                <a16:creationId xmlns:a16="http://schemas.microsoft.com/office/drawing/2014/main" id="{847F5768-9AE3-93D7-E2D0-64C919C62C80}"/>
+              </a:ext>
+            </a:extLst>
+          </p:cNvPr>
+          <p:cNvCxnSpPr>
+            <a:cxnSpLocks/>
+          </p:cNvCxnSpPr>
+          <p:nvPr/>
+        </p:nvCxnSpPr>
+        <p:spPr>
+          <a:xfrm flipH="1">
+            <a:off x="3560884" y="3789485"/>
+            <a:ext cx="5049714" cy="1644161"/>
+          </a:xfrm>
+          <a:prstGeom prst="straightConnector1">
+            <a:avLst/>
+          </a:prstGeom>
+          <a:ln>
+            <a:tailEnd type="triangle"/>
+          </a:ln>
+        </p:spPr>
+        <p:style>
+          <a:lnRef idx="2">
+            <a:schemeClr val="dk1"/>
+          </a:lnRef>
+          <a:fillRef idx="0">
+            <a:schemeClr val="dk1"/>
+          </a:fillRef>
+          <a:effectRef idx="1">
+            <a:schemeClr val="dk1"/>
+          </a:effectRef>
+          <a:fontRef idx="minor">
+            <a:schemeClr val="tx1"/>
+          </a:fontRef>
+        </p:style>
+      </p:cxnSp>
+      <p:sp>
+        <p:nvSpPr>
+          <p:cNvPr id="14" name="TextBox 13">
+            <a:extLst>
+              <a:ext uri="{FF2B5EF4-FFF2-40B4-BE49-F238E27FC236}">
+                <a16:creationId xmlns:a16="http://schemas.microsoft.com/office/drawing/2014/main" id="{19AD0878-BFB5-6CBA-E73A-9D130B1E70FD}"/>
+              </a:ext>
+            </a:extLst>
+          </p:cNvPr>
+          <p:cNvSpPr txBox="1"/>
+          <p:nvPr/>
+        </p:nvSpPr>
+        <p:spPr>
+          <a:xfrm>
+            <a:off x="3880339" y="1929821"/>
+            <a:ext cx="2497015" cy="369332"/>
+          </a:xfrm>
+          <a:prstGeom prst="rect">
+            <a:avLst/>
+          </a:prstGeom>
+          <a:noFill/>
+        </p:spPr>
+        <p:txBody>
+          <a:bodyPr wrap="square" rtlCol="0">
+            <a:spAutoFit/>
+          </a:bodyPr>
+          <a:lstStyle/>
+          <a:p>
             <a:r>
               <a:rPr lang="en-GB" dirty="0" err="1"/>
-              <a:t>Messdaten</a:t>
+              <a:t>MPI_Send</a:t>
+            </a:r>
+            <a:r>
+              <a:rPr lang="en-GB" dirty="0"/>
+              <a:t>()</a:t>
+            </a:r>
+          </a:p>
+        </p:txBody>
+      </p:sp>
+      <p:sp>
+        <p:nvSpPr>
+          <p:cNvPr id="16" name="TextBox 15">
+            <a:extLst>
+              <a:ext uri="{FF2B5EF4-FFF2-40B4-BE49-F238E27FC236}">
+                <a16:creationId xmlns:a16="http://schemas.microsoft.com/office/drawing/2014/main" id="{8ADF0044-7655-9266-A56A-E8B3615EEDA2}"/>
+              </a:ext>
+            </a:extLst>
+          </p:cNvPr>
+          <p:cNvSpPr txBox="1"/>
+          <p:nvPr/>
+        </p:nvSpPr>
+        <p:spPr>
+          <a:xfrm>
+            <a:off x="7362092" y="4325830"/>
+            <a:ext cx="1324708" cy="369332"/>
+          </a:xfrm>
+          <a:prstGeom prst="rect">
+            <a:avLst/>
+          </a:prstGeom>
+          <a:noFill/>
+        </p:spPr>
+        <p:txBody>
+          <a:bodyPr wrap="square" rtlCol="0">
+            <a:spAutoFit/>
+          </a:bodyPr>
+          <a:lstStyle/>
+          <a:p>
+            <a:r>
+              <a:rPr lang="en-GB" dirty="0" err="1"/>
+              <a:t>MPI_Send</a:t>
+            </a:r>
+            <a:r>
+              <a:rPr lang="en-GB" dirty="0"/>
+              <a:t>()</a:t>
+            </a:r>
+          </a:p>
+        </p:txBody>
+      </p:sp>
+      <p:sp>
+        <p:nvSpPr>
+          <p:cNvPr id="17" name="TextBox 16">
+            <a:extLst>
+              <a:ext uri="{FF2B5EF4-FFF2-40B4-BE49-F238E27FC236}">
+                <a16:creationId xmlns:a16="http://schemas.microsoft.com/office/drawing/2014/main" id="{007523EB-2787-7E03-C9EB-77D72E111B65}"/>
+              </a:ext>
+            </a:extLst>
+          </p:cNvPr>
+          <p:cNvSpPr txBox="1"/>
+          <p:nvPr/>
+        </p:nvSpPr>
+        <p:spPr>
+          <a:xfrm>
+            <a:off x="7285892" y="2937598"/>
+            <a:ext cx="1324708" cy="369332"/>
+          </a:xfrm>
+          <a:prstGeom prst="rect">
+            <a:avLst/>
+          </a:prstGeom>
+          <a:noFill/>
+        </p:spPr>
+        <p:txBody>
+          <a:bodyPr wrap="square" rtlCol="0">
+            <a:spAutoFit/>
+          </a:bodyPr>
+          <a:lstStyle/>
+          <a:p>
+            <a:r>
+              <a:rPr lang="en-GB" dirty="0" err="1"/>
+              <a:t>MPI_Recv</a:t>
+            </a:r>
+            <a:r>
+              <a:rPr lang="en-GB" dirty="0"/>
+              <a:t>()</a:t>
+            </a:r>
+          </a:p>
+        </p:txBody>
+      </p:sp>
+      <p:sp>
+        <p:nvSpPr>
+          <p:cNvPr id="18" name="TextBox 17">
+            <a:extLst>
+              <a:ext uri="{FF2B5EF4-FFF2-40B4-BE49-F238E27FC236}">
+                <a16:creationId xmlns:a16="http://schemas.microsoft.com/office/drawing/2014/main" id="{0738526E-9406-079A-489F-504CFF6C5B10}"/>
+              </a:ext>
+            </a:extLst>
+          </p:cNvPr>
+          <p:cNvSpPr txBox="1"/>
+          <p:nvPr/>
+        </p:nvSpPr>
+        <p:spPr>
+          <a:xfrm>
+            <a:off x="3675184" y="5324712"/>
+            <a:ext cx="1324708" cy="369332"/>
+          </a:xfrm>
+          <a:prstGeom prst="rect">
+            <a:avLst/>
+          </a:prstGeom>
+          <a:noFill/>
+        </p:spPr>
+        <p:txBody>
+          <a:bodyPr wrap="square" rtlCol="0">
+            <a:spAutoFit/>
+          </a:bodyPr>
+          <a:lstStyle/>
+          <a:p>
+            <a:r>
+              <a:rPr lang="en-GB" dirty="0" err="1"/>
+              <a:t>MPI_Recv</a:t>
+            </a:r>
+            <a:r>
+              <a:rPr lang="en-GB" dirty="0"/>
+              <a:t>()</a:t>
+            </a:r>
+          </a:p>
+        </p:txBody>
+      </p:sp>
+      <p:sp>
+        <p:nvSpPr>
+          <p:cNvPr id="19" name="TextBox 18">
+            <a:extLst>
+              <a:ext uri="{FF2B5EF4-FFF2-40B4-BE49-F238E27FC236}">
+                <a16:creationId xmlns:a16="http://schemas.microsoft.com/office/drawing/2014/main" id="{CA36E49E-AEEE-3234-2F86-F96BA2E1E63A}"/>
+              </a:ext>
+            </a:extLst>
+          </p:cNvPr>
+          <p:cNvSpPr txBox="1"/>
+          <p:nvPr/>
+        </p:nvSpPr>
+        <p:spPr>
+          <a:xfrm>
+            <a:off x="1899138" y="2168954"/>
+            <a:ext cx="1342292" cy="646331"/>
+          </a:xfrm>
+          <a:prstGeom prst="rect">
+            <a:avLst/>
+          </a:prstGeom>
+          <a:noFill/>
+        </p:spPr>
+        <p:txBody>
+          <a:bodyPr wrap="square" rtlCol="0">
+            <a:spAutoFit/>
+          </a:bodyPr>
+          <a:lstStyle/>
+          <a:p>
+            <a:r>
+              <a:rPr lang="en-GB" dirty="0" err="1"/>
+              <a:t>MPI_Send</a:t>
+            </a:r>
+            <a:r>
+              <a:rPr lang="en-GB" dirty="0"/>
+              <a:t>()</a:t>
+            </a:r>
+          </a:p>
+          <a:p>
+            <a:r>
+              <a:rPr lang="en-GB" dirty="0" err="1"/>
+              <a:t>MPI_Recv</a:t>
+            </a:r>
+            <a:r>
+              <a:rPr lang="en-GB" dirty="0"/>
+              <a:t>()</a:t>
             </a:r>
             <a:endParaRPr lang="en-DE" dirty="0"/>
           </a:p>
@@ -5767,10 +6329,60 @@
       </p:sp>
       <p:sp>
         <p:nvSpPr>
-          <p:cNvPr id="4" name="Footer Placeholder 3">
-            <a:extLst>
-              <a:ext uri="{FF2B5EF4-FFF2-40B4-BE49-F238E27FC236}">
-                <a16:creationId xmlns:a16="http://schemas.microsoft.com/office/drawing/2014/main" id="{A72C2813-FD75-150B-D9DB-A36B9B96FAC1}"/>
+          <p:cNvPr id="21" name="TextBox 20">
+            <a:extLst>
+              <a:ext uri="{FF2B5EF4-FFF2-40B4-BE49-F238E27FC236}">
+                <a16:creationId xmlns:a16="http://schemas.microsoft.com/office/drawing/2014/main" id="{081415E1-E162-2715-421E-DB5AB887B707}"/>
+              </a:ext>
+            </a:extLst>
+          </p:cNvPr>
+          <p:cNvSpPr txBox="1"/>
+          <p:nvPr/>
+        </p:nvSpPr>
+        <p:spPr>
+          <a:xfrm>
+            <a:off x="8686800" y="2171211"/>
+            <a:ext cx="1342292" cy="646331"/>
+          </a:xfrm>
+          <a:prstGeom prst="rect">
+            <a:avLst/>
+          </a:prstGeom>
+          <a:noFill/>
+        </p:spPr>
+        <p:txBody>
+          <a:bodyPr wrap="square" rtlCol="0">
+            <a:spAutoFit/>
+          </a:bodyPr>
+          <a:lstStyle/>
+          <a:p>
+            <a:r>
+              <a:rPr lang="en-GB" dirty="0" err="1"/>
+              <a:t>MPI_Send</a:t>
+            </a:r>
+            <a:r>
+              <a:rPr lang="en-GB" dirty="0"/>
+              <a:t>()</a:t>
+            </a:r>
+          </a:p>
+          <a:p>
+            <a:r>
+              <a:rPr lang="en-GB" dirty="0" err="1"/>
+              <a:t>MPI_Recv</a:t>
+            </a:r>
+            <a:r>
+              <a:rPr lang="en-GB" dirty="0"/>
+              <a:t>()</a:t>
+            </a:r>
+            <a:endParaRPr lang="en-DE" dirty="0"/>
+          </a:p>
+        </p:txBody>
+      </p:sp>
+      <p:sp>
+        <p:nvSpPr>
+          <p:cNvPr id="7" name="Footer Placeholder 3">
+            <a:extLst>
+              <a:ext uri="{FF2B5EF4-FFF2-40B4-BE49-F238E27FC236}">
+                <a16:creationId xmlns:a16="http://schemas.microsoft.com/office/drawing/2014/main" id="{508B4D04-69F5-390E-CF5F-5B0D704FFEC4}"/>
               </a:ext>
             </a:extLst>
           </p:cNvPr>
@@ -5781,11 +6393,27 @@
             <p:ph type="ftr" sz="quarter" idx="11"/>
           </p:nvPr>
         </p:nvSpPr>
-        <p:spPr/>
+        <p:spPr>
+          <a:xfrm>
+            <a:off x="3560885" y="6356350"/>
+            <a:ext cx="5029199" cy="365125"/>
+          </a:xfrm>
+        </p:spPr>
         <p:txBody>
           <a:bodyPr/>
           <a:lstStyle/>
           <a:p>
+            <a:r>
+              <a:rPr lang="en-GB" dirty="0">
+                <a:solidFill>
+                  <a:schemeClr val="tx1">
+                    <a:lumMod val="50000"/>
+                    <a:lumOff val="50000"/>
+                  </a:schemeClr>
+                </a:solidFill>
+              </a:rPr>
+              <a:t>Tests – </a:t>
+            </a:r>
             <a:r>
               <a:rPr lang="en-GB" dirty="0">
                 <a:solidFill>
@@ -5811,25 +6439,64 @@
               <a:t> </a:t>
             </a:r>
             <a:r>
-              <a:rPr lang="en-GB" dirty="0"/>
+              <a:rPr lang="en-GB" dirty="0">
+                <a:solidFill>
+                  <a:schemeClr val="tx1">
+                    <a:lumMod val="50000"/>
+                    <a:lumOff val="50000"/>
+                  </a:schemeClr>
+                </a:solidFill>
+              </a:rPr>
               <a:t>– Ping-Exchange </a:t>
             </a:r>
             <a:r>
-              <a:rPr lang="en-GB" dirty="0" err="1"/>
+              <a:rPr lang="en-GB" dirty="0" err="1">
+                <a:solidFill>
+                  <a:schemeClr val="tx1">
+                    <a:lumMod val="50000"/>
+                    <a:lumOff val="50000"/>
+                  </a:schemeClr>
+                </a:solidFill>
+              </a:rPr>
               <a:t>Programm</a:t>
             </a:r>
             <a:r>
-              <a:rPr lang="en-GB" dirty="0"/>
-              <a:t> - Tests</a:t>
-            </a:r>
-            <a:endParaRPr lang="en-DE" dirty="0"/>
+              <a:rPr lang="en-GB" dirty="0">
+                <a:solidFill>
+                  <a:schemeClr val="tx1">
+                    <a:lumMod val="50000"/>
+                    <a:lumOff val="50000"/>
+                  </a:schemeClr>
+                </a:solidFill>
+              </a:rPr>
+              <a:t> – </a:t>
+            </a:r>
+            <a:r>
+              <a:rPr lang="en-GB" dirty="0" err="1">
+                <a:solidFill>
+                  <a:schemeClr val="tx1">
+                    <a:lumMod val="50000"/>
+                    <a:lumOff val="50000"/>
+                  </a:schemeClr>
+                </a:solidFill>
+              </a:rPr>
+              <a:t>Messdaten</a:t>
+            </a:r>
+            <a:endParaRPr lang="en-DE" dirty="0">
+              <a:solidFill>
+                <a:schemeClr val="tx1">
+                  <a:lumMod val="50000"/>
+                  <a:lumOff val="50000"/>
+                </a:schemeClr>
+              </a:solidFill>
+            </a:endParaRPr>
           </a:p>
         </p:txBody>
       </p:sp>
     </p:spTree>
     <p:extLst>
       <p:ext uri="{BB962C8B-B14F-4D97-AF65-F5344CB8AC3E}">
-        <p14:creationId xmlns:p14="http://schemas.microsoft.com/office/powerpoint/2010/main" val="3849419079"/>
+        <p14:creationId xmlns:p14="http://schemas.microsoft.com/office/powerpoint/2010/main" val="489599171"/>
       </p:ext>
     </p:extLst>
   </p:cSld>
@@ -5887,96 +6554,6 @@
       </p:sp>
       <p:sp>
         <p:nvSpPr>
-          <p:cNvPr id="4" name="Footer Placeholder 3">
-            <a:extLst>
-              <a:ext uri="{FF2B5EF4-FFF2-40B4-BE49-F238E27FC236}">
-                <a16:creationId xmlns:a16="http://schemas.microsoft.com/office/drawing/2014/main" id="{A72C2813-FD75-150B-D9DB-A36B9B96FAC1}"/>
-              </a:ext>
-            </a:extLst>
-          </p:cNvPr>
-          <p:cNvSpPr>
-            <a:spLocks noGrp="1"/>
-          </p:cNvSpPr>
-          <p:nvPr>
-            <p:ph type="ftr" sz="quarter" idx="11"/>
-          </p:nvPr>
-        </p:nvSpPr>
-        <p:spPr/>
-        <p:txBody>
-          <a:bodyPr/>
-          <a:lstStyle/>
-          <a:p>
-            <a:r>
-              <a:rPr lang="en-GB" dirty="0">
-                <a:solidFill>
-                  <a:schemeClr val="tx1">
-                    <a:lumMod val="50000"/>
-                    <a:lumOff val="50000"/>
-                  </a:schemeClr>
-                </a:solidFill>
-              </a:rPr>
-              <a:t>Ping-Pong </a:t>
-            </a:r>
-            <a:r>
-              <a:rPr lang="en-GB" dirty="0" err="1">
-                <a:solidFill>
-                  <a:schemeClr val="tx1">
-                    <a:lumMod val="50000"/>
-                    <a:lumOff val="50000"/>
-                  </a:schemeClr>
-                </a:solidFill>
-              </a:rPr>
-              <a:t>Programm</a:t>
-            </a:r>
-            <a:r>
-              <a:rPr lang="en-GB" dirty="0">
-                <a:solidFill>
-                  <a:schemeClr val="tx1">
-                    <a:lumMod val="50000"/>
-                    <a:lumOff val="50000"/>
-                  </a:schemeClr>
-                </a:solidFill>
-              </a:rPr>
-              <a:t> </a:t>
-            </a:r>
-            <a:r>
-              <a:rPr lang="en-GB" dirty="0"/>
-              <a:t>– </a:t>
-            </a:r>
-            <a:r>
-              <a:rPr lang="en-GB" dirty="0">
-                <a:solidFill>
-                  <a:schemeClr val="tx1"/>
-                </a:solidFill>
-              </a:rPr>
-              <a:t>Ping-Exchange </a:t>
-            </a:r>
-            <a:r>
-              <a:rPr lang="en-GB" dirty="0" err="1">
-                <a:solidFill>
-                  <a:schemeClr val="tx1"/>
-                </a:solidFill>
-              </a:rPr>
-              <a:t>Programm</a:t>
-            </a:r>
-            <a:r>
-              <a:rPr lang="en-GB" dirty="0">
-                <a:solidFill>
-                  <a:schemeClr val="tx1"/>
-                </a:solidFill>
-              </a:rPr>
-              <a:t> </a:t>
-            </a:r>
-            <a:r>
-              <a:rPr lang="en-GB" dirty="0"/>
-              <a:t>- Tests</a:t>
-            </a:r>
-            <a:endParaRPr lang="en-DE" dirty="0"/>
-          </a:p>
-        </p:txBody>
-      </p:sp>
-      <p:sp>
-        <p:nvSpPr>
           <p:cNvPr id="5" name="TextBox 4">
             <a:extLst>
               <a:ext uri="{FF2B5EF4-FFF2-40B4-BE49-F238E27FC236}">
@@ -6377,6 +6954,109 @@
               <a:rPr lang="en-GB" dirty="0"/>
               <a:t>()</a:t>
             </a:r>
+          </a:p>
+        </p:txBody>
+      </p:sp>
+      <p:sp>
+        <p:nvSpPr>
+          <p:cNvPr id="9" name="Footer Placeholder 3">
+            <a:extLst>
+              <a:ext uri="{FF2B5EF4-FFF2-40B4-BE49-F238E27FC236}">
+                <a16:creationId xmlns:a16="http://schemas.microsoft.com/office/drawing/2014/main" id="{C0B7973F-F6B9-FD2B-BB1B-33C6B7C6191A}"/>
+              </a:ext>
+            </a:extLst>
+          </p:cNvPr>
+          <p:cNvSpPr>
+            <a:spLocks noGrp="1"/>
+          </p:cNvSpPr>
+          <p:nvPr>
+            <p:ph type="ftr" sz="quarter" idx="11"/>
+          </p:nvPr>
+        </p:nvSpPr>
+        <p:spPr>
+          <a:xfrm>
+            <a:off x="3560885" y="6356350"/>
+            <a:ext cx="5029199" cy="365125"/>
+          </a:xfrm>
+        </p:spPr>
+        <p:txBody>
+          <a:bodyPr/>
+          <a:lstStyle/>
+          <a:p>
+            <a:r>
+              <a:rPr lang="en-GB" dirty="0"/>
+              <a:t>Tests – </a:t>
+            </a:r>
+            <a:r>
+              <a:rPr lang="en-GB" dirty="0">
+                <a:solidFill>
+                  <a:schemeClr val="tx1">
+                    <a:lumMod val="50000"/>
+                    <a:lumOff val="50000"/>
+                  </a:schemeClr>
+                </a:solidFill>
+              </a:rPr>
+              <a:t>Ping-Pong </a:t>
+            </a:r>
+            <a:r>
+              <a:rPr lang="en-GB" dirty="0" err="1">
+                <a:solidFill>
+                  <a:schemeClr val="tx1">
+                    <a:lumMod val="50000"/>
+                    <a:lumOff val="50000"/>
+                  </a:schemeClr>
+                </a:solidFill>
+              </a:rPr>
+              <a:t>Programm</a:t>
+            </a:r>
+            <a:r>
+              <a:rPr lang="en-GB" dirty="0">
+                <a:solidFill>
+                  <a:schemeClr val="tx1">
+                    <a:lumMod val="50000"/>
+                    <a:lumOff val="50000"/>
+                  </a:schemeClr>
+                </a:solidFill>
+              </a:rPr>
+              <a:t> </a:t>
+            </a:r>
+            <a:r>
+              <a:rPr lang="en-GB" dirty="0"/>
+              <a:t>– </a:t>
+            </a:r>
+            <a:r>
+              <a:rPr lang="en-GB" dirty="0">
+                <a:solidFill>
+                  <a:schemeClr val="tx1"/>
+                </a:solidFill>
+              </a:rPr>
+              <a:t>Ping-Exchange </a:t>
+            </a:r>
+            <a:r>
+              <a:rPr lang="en-GB" dirty="0" err="1">
+                <a:solidFill>
+                  <a:schemeClr val="tx1"/>
+                </a:solidFill>
+              </a:rPr>
+              <a:t>Programm</a:t>
+            </a:r>
+            <a:r>
+              <a:rPr lang="en-GB" dirty="0">
+                <a:solidFill>
+                  <a:schemeClr val="tx1"/>
+                </a:solidFill>
+              </a:rPr>
+              <a:t> </a:t>
+            </a:r>
+            <a:r>
+              <a:rPr lang="en-GB" dirty="0"/>
+              <a:t>– </a:t>
+            </a:r>
+            <a:r>
+              <a:rPr lang="en-GB" dirty="0" err="1"/>
+              <a:t>Messdaten</a:t>
+            </a:r>
+            <a:endParaRPr lang="en-DE" dirty="0"/>
           </a:p>
         </p:txBody>
       </p:sp>
@@ -6433,7 +7113,7 @@
           <a:p>
             <a:r>
               <a:rPr lang="en-GB" dirty="0"/>
-              <a:t>Ping-Exchange </a:t>
+              <a:t>Ping-Pong </a:t>
             </a:r>
             <a:r>
               <a:rPr lang="en-GB" dirty="0" err="1"/>
@@ -6445,10 +7125,10 @@
       </p:sp>
       <p:sp>
         <p:nvSpPr>
-          <p:cNvPr id="4" name="Footer Placeholder 3">
-            <a:extLst>
-              <a:ext uri="{FF2B5EF4-FFF2-40B4-BE49-F238E27FC236}">
-                <a16:creationId xmlns:a16="http://schemas.microsoft.com/office/drawing/2014/main" id="{A72C2813-FD75-150B-D9DB-A36B9B96FAC1}"/>
+          <p:cNvPr id="3" name="Footer Placeholder 3">
+            <a:extLst>
+              <a:ext uri="{FF2B5EF4-FFF2-40B4-BE49-F238E27FC236}">
+                <a16:creationId xmlns:a16="http://schemas.microsoft.com/office/drawing/2014/main" id="{16881A7F-6DE9-7454-A156-2B3F004236FC}"/>
               </a:ext>
             </a:extLst>
           </p:cNvPr>
@@ -6459,11 +7139,20 @@
             <p:ph type="ftr" sz="quarter" idx="11"/>
           </p:nvPr>
         </p:nvSpPr>
-        <p:spPr/>
+        <p:spPr>
+          <a:xfrm>
+            <a:off x="3560885" y="6356350"/>
+            <a:ext cx="5029199" cy="365125"/>
+          </a:xfrm>
+        </p:spPr>
         <p:txBody>
           <a:bodyPr/>
           <a:lstStyle/>
           <a:p>
+            <a:r>
+              <a:rPr lang="en-GB" dirty="0"/>
+              <a:t>Tests – </a:t>
+            </a:r>
             <a:r>
               <a:rPr lang="en-GB" dirty="0">
                 <a:solidFill>
@@ -6504,10 +7193,39 @@
             <a:r>
               <a:rPr lang="en-GB" dirty="0">
                 <a:solidFill>
-                  <a:schemeClr val="tx1"/>
+                  <a:schemeClr val="tx1">
+                    <a:lumMod val="50000"/>
+                    <a:lumOff val="50000"/>
+                  </a:schemeClr>
                 </a:solidFill>
               </a:rPr>
               <a:t>Ping-Exchange </a:t>
+            </a:r>
+            <a:r>
+              <a:rPr lang="en-GB" dirty="0" err="1">
+                <a:solidFill>
+                  <a:schemeClr val="tx1">
+                    <a:lumMod val="50000"/>
+                    <a:lumOff val="50000"/>
+                  </a:schemeClr>
+                </a:solidFill>
+              </a:rPr>
+              <a:t>Programm</a:t>
+            </a:r>
+            <a:r>
+              <a:rPr lang="en-GB" dirty="0">
+                <a:solidFill>
+                  <a:schemeClr val="tx1">
+                    <a:lumMod val="50000"/>
+                    <a:lumOff val="50000"/>
+                  </a:schemeClr>
+                </a:solidFill>
+              </a:rPr>
+              <a:t> </a:t>
+            </a:r>
+            <a:r>
+              <a:rPr lang="en-GB" dirty="0"/>
+              <a:t>– </a:t>
             </a:r>
             <a:r>
               <a:rPr lang="en-GB" dirty="0" err="1">
@@ -6515,21 +7233,188 @@
                   <a:schemeClr val="tx1"/>
                 </a:solidFill>
               </a:rPr>
+              <a:t>Messdaten</a:t>
+            </a:r>
+            <a:endParaRPr lang="en-DE" dirty="0">
+              <a:solidFill>
+                <a:schemeClr val="tx1"/>
+              </a:solidFill>
+            </a:endParaRPr>
+          </a:p>
+        </p:txBody>
+      </p:sp>
+    </p:spTree>
+    <p:extLst>
+      <p:ext uri="{BB962C8B-B14F-4D97-AF65-F5344CB8AC3E}">
+        <p14:creationId xmlns:p14="http://schemas.microsoft.com/office/powerpoint/2010/main" val="3849419079"/>
+      </p:ext>
+    </p:extLst>
+  </p:cSld>
+  <p:clrMapOvr>
+    <a:masterClrMapping/>
+  </p:clrMapOvr>
+</p:sld>
+</file>
+
+<file path=ppt/slides/slide9.xml><?xml version="1.0" encoding="utf-8"?>
+<p:sld xmlns:a="http://schemas.openxmlformats.org/drawingml/2006/main" xmlns:r="http://schemas.openxmlformats.org/officeDocument/2006/relationships" xmlns:p="http://schemas.openxmlformats.org/presentationml/2006/main">
+  <p:cSld>
+    <p:spTree>
+      <p:nvGrpSpPr>
+        <p:cNvPr id="1" name=""/>
+        <p:cNvGrpSpPr/>
+        <p:nvPr/>
+      </p:nvGrpSpPr>
+      <p:grpSpPr>
+        <a:xfrm>
+          <a:off x="0" y="0"/>
+          <a:ext cx="0" cy="0"/>
+          <a:chOff x="0" y="0"/>
+          <a:chExt cx="0" cy="0"/>
+        </a:xfrm>
+      </p:grpSpPr>
+      <p:sp>
+        <p:nvSpPr>
+          <p:cNvPr id="2" name="Title 1">
+            <a:extLst>
+              <a:ext uri="{FF2B5EF4-FFF2-40B4-BE49-F238E27FC236}">
+                <a16:creationId xmlns:a16="http://schemas.microsoft.com/office/drawing/2014/main" id="{4816F1BD-6EE8-C72C-637D-5C7A9ECFAC9E}"/>
+              </a:ext>
+            </a:extLst>
+          </p:cNvPr>
+          <p:cNvSpPr>
+            <a:spLocks noGrp="1"/>
+          </p:cNvSpPr>
+          <p:nvPr>
+            <p:ph type="title"/>
+          </p:nvPr>
+        </p:nvSpPr>
+        <p:spPr/>
+        <p:txBody>
+          <a:bodyPr/>
+          <a:lstStyle/>
+          <a:p>
+            <a:r>
+              <a:rPr lang="en-GB" dirty="0"/>
+              <a:t>Ping-Exchange/Ping-Pong</a:t>
+            </a:r>
+            <a:endParaRPr lang="en-DE" dirty="0"/>
+          </a:p>
+        </p:txBody>
+      </p:sp>
+      <p:sp>
+        <p:nvSpPr>
+          <p:cNvPr id="3" name="Footer Placeholder 3">
+            <a:extLst>
+              <a:ext uri="{FF2B5EF4-FFF2-40B4-BE49-F238E27FC236}">
+                <a16:creationId xmlns:a16="http://schemas.microsoft.com/office/drawing/2014/main" id="{CD13DA5E-8B0E-FA1D-D8AA-C239AADB853D}"/>
+              </a:ext>
+            </a:extLst>
+          </p:cNvPr>
+          <p:cNvSpPr>
+            <a:spLocks noGrp="1"/>
+          </p:cNvSpPr>
+          <p:nvPr>
+            <p:ph type="ftr" sz="quarter" idx="11"/>
+          </p:nvPr>
+        </p:nvSpPr>
+        <p:spPr>
+          <a:xfrm>
+            <a:off x="3560885" y="6356350"/>
+            <a:ext cx="5029199" cy="365125"/>
+          </a:xfrm>
+        </p:spPr>
+        <p:txBody>
+          <a:bodyPr/>
+          <a:lstStyle/>
+          <a:p>
+            <a:r>
+              <a:rPr lang="en-GB" dirty="0"/>
+              <a:t>Tests </a:t>
+            </a:r>
+            <a:r>
+              <a:rPr lang="en-GB" dirty="0">
+                <a:solidFill>
+                  <a:schemeClr val="tx1">
+                    <a:lumMod val="50000"/>
+                    <a:lumOff val="50000"/>
+                  </a:schemeClr>
+                </a:solidFill>
+              </a:rPr>
+              <a:t>– Ping-Pong </a:t>
+            </a:r>
+            <a:r>
+              <a:rPr lang="en-GB" dirty="0" err="1">
+                <a:solidFill>
+                  <a:schemeClr val="tx1">
+                    <a:lumMod val="50000"/>
+                    <a:lumOff val="50000"/>
+                  </a:schemeClr>
+                </a:solidFill>
+              </a:rPr>
               <a:t>Programm</a:t>
             </a:r>
             <a:r>
               <a:rPr lang="en-GB" dirty="0">
+                <a:solidFill>
+                  <a:schemeClr val="tx1">
+                    <a:lumMod val="50000"/>
+                    <a:lumOff val="50000"/>
+                  </a:schemeClr>
+                </a:solidFill>
+              </a:rPr>
+              <a:t> –</a:t>
+            </a:r>
+            <a:r>
+              <a:rPr lang="en-GB" dirty="0"/>
+              <a:t> </a:t>
+            </a:r>
+            <a:r>
+              <a:rPr lang="en-GB" dirty="0">
+                <a:solidFill>
+                  <a:schemeClr val="tx1">
+                    <a:lumMod val="50000"/>
+                    <a:lumOff val="50000"/>
+                  </a:schemeClr>
+                </a:solidFill>
+              </a:rPr>
+              <a:t>Ping-Exchange </a:t>
+            </a:r>
+            <a:r>
+              <a:rPr lang="en-GB" dirty="0" err="1">
+                <a:solidFill>
+                  <a:schemeClr val="tx1">
+                    <a:lumMod val="50000"/>
+                    <a:lumOff val="50000"/>
+                  </a:schemeClr>
+                </a:solidFill>
+              </a:rPr>
+              <a:t>Programm</a:t>
+            </a:r>
+            <a:r>
+              <a:rPr lang="en-GB" dirty="0">
+                <a:solidFill>
+                  <a:schemeClr val="tx1">
+                    <a:lumMod val="50000"/>
+                    <a:lumOff val="50000"/>
+                  </a:schemeClr>
+                </a:solidFill>
+              </a:rPr>
+              <a:t> – </a:t>
+            </a:r>
+            <a:r>
+              <a:rPr lang="en-GB" dirty="0" err="1">
                 <a:solidFill>
                   <a:schemeClr val="tx1"/>
                 </a:solidFill>
               </a:rPr>
-              <a:t> </a:t>
-            </a:r>
-            <a:r>
-              <a:rPr lang="en-GB" dirty="0"/>
-              <a:t>- Tests</a:t>
-            </a:r>
-            <a:endParaRPr lang="en-DE" dirty="0"/>
+              <a:t>Messdaten</a:t>
+            </a:r>
+            <a:endParaRPr lang="en-DE" dirty="0">
+              <a:solidFill>
+                <a:schemeClr val="tx1"/>
+              </a:solidFill>
+            </a:endParaRPr>
           </a:p>
         </p:txBody>
       </p:sp>
